--- a/最適化特論 竹田陽.pptx
+++ b/最適化特論 竹田陽.pptx
@@ -311,7 +311,7 @@
           <a:p>
             <a:fld id="{2678497E-8988-B848-9F7C-92B151EDA98F}" type="datetimeFigureOut">
               <a:rPr kumimoji="1" lang="ja-JP" altLang="en-US" smtClean="0"/>
-              <a:t>2020/7/3</a:t>
+              <a:t>2020/7/30</a:t>
             </a:fld>
             <a:endParaRPr kumimoji="1" lang="ja-JP" altLang="en-US"/>
           </a:p>
@@ -686,7 +686,7 @@
           <a:p>
             <a:fld id="{2678497E-8988-B848-9F7C-92B151EDA98F}" type="datetimeFigureOut">
               <a:rPr kumimoji="1" lang="ja-JP" altLang="en-US" smtClean="0"/>
-              <a:t>2020/7/3</a:t>
+              <a:t>2020/7/30</a:t>
             </a:fld>
             <a:endParaRPr kumimoji="1" lang="ja-JP" altLang="en-US"/>
           </a:p>
@@ -1161,7 +1161,7 @@
           <a:p>
             <a:fld id="{2678497E-8988-B848-9F7C-92B151EDA98F}" type="datetimeFigureOut">
               <a:rPr kumimoji="1" lang="ja-JP" altLang="en-US" smtClean="0"/>
-              <a:t>2020/7/3</a:t>
+              <a:t>2020/7/30</a:t>
             </a:fld>
             <a:endParaRPr kumimoji="1" lang="ja-JP" altLang="en-US"/>
           </a:p>
@@ -1534,7 +1534,7 @@
           <a:p>
             <a:fld id="{2678497E-8988-B848-9F7C-92B151EDA98F}" type="datetimeFigureOut">
               <a:rPr kumimoji="1" lang="ja-JP" altLang="en-US" smtClean="0"/>
-              <a:t>2020/7/3</a:t>
+              <a:t>2020/7/30</a:t>
             </a:fld>
             <a:endParaRPr kumimoji="1" lang="ja-JP" altLang="en-US"/>
           </a:p>
@@ -1928,7 +1928,7 @@
           <a:p>
             <a:fld id="{2678497E-8988-B848-9F7C-92B151EDA98F}" type="datetimeFigureOut">
               <a:rPr kumimoji="1" lang="ja-JP" altLang="en-US" smtClean="0"/>
-              <a:t>2020/7/3</a:t>
+              <a:t>2020/7/30</a:t>
             </a:fld>
             <a:endParaRPr kumimoji="1" lang="ja-JP" altLang="en-US"/>
           </a:p>
@@ -2398,7 +2398,7 @@
           <a:p>
             <a:fld id="{2678497E-8988-B848-9F7C-92B151EDA98F}" type="datetimeFigureOut">
               <a:rPr kumimoji="1" lang="ja-JP" altLang="en-US" smtClean="0"/>
-              <a:t>2020/7/3</a:t>
+              <a:t>2020/7/30</a:t>
             </a:fld>
             <a:endParaRPr kumimoji="1" lang="ja-JP" altLang="en-US"/>
           </a:p>
@@ -2663,7 +2663,7 @@
           <a:p>
             <a:fld id="{2678497E-8988-B848-9F7C-92B151EDA98F}" type="datetimeFigureOut">
               <a:rPr kumimoji="1" lang="ja-JP" altLang="en-US" smtClean="0"/>
-              <a:t>2020/7/3</a:t>
+              <a:t>2020/7/30</a:t>
             </a:fld>
             <a:endParaRPr kumimoji="1" lang="ja-JP" altLang="en-US"/>
           </a:p>
@@ -2933,7 +2933,7 @@
           <a:p>
             <a:fld id="{2678497E-8988-B848-9F7C-92B151EDA98F}" type="datetimeFigureOut">
               <a:rPr kumimoji="1" lang="ja-JP" altLang="en-US" smtClean="0"/>
-              <a:t>2020/7/3</a:t>
+              <a:t>2020/7/30</a:t>
             </a:fld>
             <a:endParaRPr kumimoji="1" lang="ja-JP" altLang="en-US"/>
           </a:p>
@@ -3203,7 +3203,7 @@
           <a:p>
             <a:fld id="{2678497E-8988-B848-9F7C-92B151EDA98F}" type="datetimeFigureOut">
               <a:rPr kumimoji="1" lang="ja-JP" altLang="en-US" smtClean="0"/>
-              <a:t>2020/7/3</a:t>
+              <a:t>2020/7/30</a:t>
             </a:fld>
             <a:endParaRPr kumimoji="1" lang="ja-JP" altLang="en-US"/>
           </a:p>
@@ -3569,7 +3569,7 @@
           <a:p>
             <a:fld id="{2678497E-8988-B848-9F7C-92B151EDA98F}" type="datetimeFigureOut">
               <a:rPr kumimoji="1" lang="ja-JP" altLang="en-US" smtClean="0"/>
-              <a:t>2020/7/3</a:t>
+              <a:t>2020/7/30</a:t>
             </a:fld>
             <a:endParaRPr kumimoji="1" lang="ja-JP" altLang="en-US"/>
           </a:p>
@@ -3908,7 +3908,7 @@
           <a:p>
             <a:fld id="{2678497E-8988-B848-9F7C-92B151EDA98F}" type="datetimeFigureOut">
               <a:rPr kumimoji="1" lang="ja-JP" altLang="en-US" smtClean="0"/>
-              <a:t>2020/7/3</a:t>
+              <a:t>2020/7/30</a:t>
             </a:fld>
             <a:endParaRPr kumimoji="1" lang="ja-JP" altLang="en-US"/>
           </a:p>
@@ -4455,7 +4455,7 @@
           <a:p>
             <a:fld id="{2678497E-8988-B848-9F7C-92B151EDA98F}" type="datetimeFigureOut">
               <a:rPr kumimoji="1" lang="ja-JP" altLang="en-US" smtClean="0"/>
-              <a:t>2020/7/3</a:t>
+              <a:t>2020/7/30</a:t>
             </a:fld>
             <a:endParaRPr kumimoji="1" lang="ja-JP" altLang="en-US"/>
           </a:p>
@@ -4660,7 +4660,7 @@
           <a:p>
             <a:fld id="{2678497E-8988-B848-9F7C-92B151EDA98F}" type="datetimeFigureOut">
               <a:rPr kumimoji="1" lang="ja-JP" altLang="en-US" smtClean="0"/>
-              <a:t>2020/7/3</a:t>
+              <a:t>2020/7/30</a:t>
             </a:fld>
             <a:endParaRPr kumimoji="1" lang="ja-JP" altLang="en-US"/>
           </a:p>
@@ -4837,7 +4837,7 @@
           <a:p>
             <a:fld id="{2678497E-8988-B848-9F7C-92B151EDA98F}" type="datetimeFigureOut">
               <a:rPr kumimoji="1" lang="ja-JP" altLang="en-US" smtClean="0"/>
-              <a:t>2020/7/3</a:t>
+              <a:t>2020/7/30</a:t>
             </a:fld>
             <a:endParaRPr kumimoji="1" lang="ja-JP" altLang="en-US"/>
           </a:p>
@@ -5215,7 +5215,7 @@
           <a:p>
             <a:fld id="{2678497E-8988-B848-9F7C-92B151EDA98F}" type="datetimeFigureOut">
               <a:rPr kumimoji="1" lang="ja-JP" altLang="en-US" smtClean="0"/>
-              <a:t>2020/7/3</a:t>
+              <a:t>2020/7/30</a:t>
             </a:fld>
             <a:endParaRPr kumimoji="1" lang="ja-JP" altLang="en-US"/>
           </a:p>
@@ -5597,7 +5597,7 @@
           <a:p>
             <a:fld id="{2678497E-8988-B848-9F7C-92B151EDA98F}" type="datetimeFigureOut">
               <a:rPr kumimoji="1" lang="ja-JP" altLang="en-US" smtClean="0"/>
-              <a:t>2020/7/3</a:t>
+              <a:t>2020/7/30</a:t>
             </a:fld>
             <a:endParaRPr kumimoji="1" lang="ja-JP" altLang="en-US"/>
           </a:p>
@@ -7722,7 +7722,7 @@
           <a:p>
             <a:fld id="{2678497E-8988-B848-9F7C-92B151EDA98F}" type="datetimeFigureOut">
               <a:rPr kumimoji="1" lang="ja-JP" altLang="en-US" smtClean="0"/>
-              <a:t>2020/7/3</a:t>
+              <a:t>2020/7/30</a:t>
             </a:fld>
             <a:endParaRPr kumimoji="1" lang="ja-JP" altLang="en-US"/>
           </a:p>
@@ -8942,8 +8942,8 @@
           </a:p>
         </p:txBody>
       </p:sp>
-      <mc:AlternateContent xmlns:mc="http://schemas.openxmlformats.org/markup-compatibility/2006">
-        <mc:Choice xmlns:a14="http://schemas.microsoft.com/office/drawing/2010/main" Requires="a14">
+      <mc:AlternateContent xmlns:mc="http://schemas.openxmlformats.org/markup-compatibility/2006" xmlns:a14="http://schemas.microsoft.com/office/drawing/2010/main">
+        <mc:Choice Requires="a14">
           <p:sp>
             <p:nvSpPr>
               <p:cNvPr id="3" name="コンテンツ プレースホルダー 2">
@@ -10214,7 +10214,7 @@
             </p:txBody>
           </p:sp>
         </mc:Choice>
-        <mc:Fallback>
+        <mc:Fallback xmlns="">
           <p:sp>
             <p:nvSpPr>
               <p:cNvPr id="3" name="コンテンツ プレースホルダー 2">
@@ -10316,8 +10316,8 @@
           </a:p>
         </p:txBody>
       </p:sp>
-      <mc:AlternateContent xmlns:mc="http://schemas.openxmlformats.org/markup-compatibility/2006">
-        <mc:Choice xmlns:a14="http://schemas.microsoft.com/office/drawing/2010/main" Requires="a14">
+      <mc:AlternateContent xmlns:mc="http://schemas.openxmlformats.org/markup-compatibility/2006" xmlns:a14="http://schemas.microsoft.com/office/drawing/2010/main">
+        <mc:Choice Requires="a14">
           <p:sp>
             <p:nvSpPr>
               <p:cNvPr id="3" name="コンテンツ プレースホルダー 2">
@@ -10863,7 +10863,7 @@
             </p:txBody>
           </p:sp>
         </mc:Choice>
-        <mc:Fallback>
+        <mc:Fallback xmlns="">
           <p:sp>
             <p:nvSpPr>
               <p:cNvPr id="3" name="コンテンツ プレースホルダー 2">
@@ -10994,18 +10994,6 @@
           <a:lstStyle/>
           <a:p>
             <a:r>
-              <a:rPr kumimoji="1" lang="en-US" altLang="ja-JP" sz="2400" dirty="0"/>
-              <a:t>Shift</a:t>
-            </a:r>
-            <a:r>
-              <a:rPr kumimoji="1" lang="ja-JP" altLang="en-US" sz="2400"/>
-              <a:t>近傍</a:t>
-            </a:r>
-            <a:r>
-              <a:rPr lang="en-US" altLang="ja-JP" sz="2400" dirty="0"/>
-              <a:t>: </a:t>
-            </a:r>
-            <a:r>
               <a:rPr lang="ja-JP" altLang="en-US" sz="2400"/>
               <a:t>ひとつのジョブを違うエージェントに割り当てることで得られる近傍</a:t>
             </a:r>
@@ -11125,18 +11113,6 @@
               </a:bodyPr>
               <a:lstStyle/>
               <a:p>
-                <a:r>
-                  <a:rPr lang="en-US" altLang="ja-JP" sz="2400" dirty="0"/>
-                  <a:t>Shift</a:t>
-                </a:r>
-                <a:r>
-                  <a:rPr lang="ja-JP" altLang="en-US" sz="2400"/>
-                  <a:t>近傍</a:t>
-                </a:r>
-                <a:r>
-                  <a:rPr lang="en-US" altLang="ja-JP" sz="2400" dirty="0"/>
-                  <a:t>: </a:t>
-                </a:r>
                 <a:r>
                   <a:rPr lang="ja-JP" altLang="en-US" sz="2400"/>
                   <a:t>ひとつのジョブを違うエージェントに割り当てられているジョブと交換することで得られる近傍</a:t>
@@ -11226,7 +11202,7 @@
               <a:blipFill>
                 <a:blip r:embed="rId2"/>
                 <a:stretch>
-                  <a:fillRect l="-997" t="-2013" r="-997"/>
+                  <a:fillRect l="-997" t="-1678"/>
                 </a:stretch>
               </a:blipFill>
             </p:spPr>
